--- a/presentations-de/praesentation-03-kapitel-2-programmfluss.pptx
+++ b/presentations-de/praesentation-03-kapitel-2-programmfluss.pptx
@@ -202,7 +202,7 @@
             <a:fld id="{14279C90-4B83-44D1-A60F-44A75D7A4CD8}" type="datetimeFigureOut">
               <a:rPr lang="de-DE" smtClean="0"/>
               <a:pPr/>
-              <a:t>15.07.2012</a:t>
+              <a:t>29.10.2012</a:t>
             </a:fld>
             <a:endParaRPr lang="de-DE"/>
           </a:p>
@@ -760,7 +760,7 @@
             <a:pPr algn="ctr" eaLnBrk="1" latinLnBrk="0" hangingPunct="1"/>
             <a:r>
               <a:rPr lang="de-DE" smtClean="0"/>
-              <a:t>v1.3 (2012-07)</a:t>
+              <a:t>v2.0</a:t>
             </a:r>
             <a:endParaRPr lang="en-US" sz="2000" dirty="0">
               <a:solidFill>
@@ -805,7 +805,7 @@
                   <a:schemeClr val="tx2"/>
                 </a:solidFill>
               </a:rPr>
-              <a:t>Programmieren / Greenfoot</a:t>
+              <a:t>Programmieren / Kapitel 2 - Programmfluss</a:t>
             </a:r>
             <a:endParaRPr kumimoji="0" lang="en-US" dirty="0">
               <a:solidFill>
@@ -980,7 +980,7 @@
           <a:p>
             <a:r>
               <a:rPr lang="de-DE" smtClean="0"/>
-              <a:t>v1.3 (2012-07)</a:t>
+              <a:t>v2.0</a:t>
             </a:r>
             <a:endParaRPr lang="en-US"/>
           </a:p>
@@ -1003,7 +1003,7 @@
           <a:p>
             <a:r>
               <a:rPr kumimoji="0" lang="de-CH" smtClean="0"/>
-              <a:t>Programmieren / Greenfoot</a:t>
+              <a:t>Programmieren / Kapitel 2 - Programmfluss</a:t>
             </a:r>
             <a:endParaRPr kumimoji="0" lang="en-US"/>
           </a:p>
@@ -1165,7 +1165,7 @@
           <a:p>
             <a:r>
               <a:rPr lang="de-DE" smtClean="0"/>
-              <a:t>v1.3 (2012-07)</a:t>
+              <a:t>v2.0</a:t>
             </a:r>
             <a:endParaRPr lang="en-US" dirty="0"/>
           </a:p>
@@ -1193,7 +1193,7 @@
           <a:p>
             <a:r>
               <a:rPr kumimoji="0" lang="de-CH" smtClean="0"/>
-              <a:t>Programmieren / Greenfoot</a:t>
+              <a:t>Programmieren / Kapitel 2 - Programmfluss</a:t>
             </a:r>
             <a:endParaRPr kumimoji="0" lang="en-US" dirty="0"/>
           </a:p>
@@ -1433,7 +1433,7 @@
           <a:p>
             <a:r>
               <a:rPr lang="de-DE" smtClean="0"/>
-              <a:t>v1.3 (2012-07)</a:t>
+              <a:t>v2.0</a:t>
             </a:r>
             <a:endParaRPr lang="en-US" dirty="0"/>
           </a:p>
@@ -1456,7 +1456,7 @@
           <a:p>
             <a:r>
               <a:rPr kumimoji="0" lang="de-CH" smtClean="0"/>
-              <a:t>Programmieren / Greenfoot</a:t>
+              <a:t>Programmieren / Kapitel 2 - Programmfluss</a:t>
             </a:r>
             <a:endParaRPr kumimoji="0" lang="en-US"/>
           </a:p>
@@ -1860,7 +1860,7 @@
           <a:p>
             <a:r>
               <a:rPr lang="de-DE" smtClean="0"/>
-              <a:t>v1.3 (2012-07)</a:t>
+              <a:t>v2.0</a:t>
             </a:r>
             <a:endParaRPr lang="en-US"/>
           </a:p>
@@ -1927,7 +1927,7 @@
           <a:p>
             <a:r>
               <a:rPr kumimoji="0" lang="de-CH" smtClean="0"/>
-              <a:t>Programmieren / Greenfoot</a:t>
+              <a:t>Programmieren / Kapitel 2 - Programmfluss</a:t>
             </a:r>
             <a:endParaRPr kumimoji="0" lang="en-US"/>
           </a:p>
@@ -2119,7 +2119,7 @@
           <a:p>
             <a:r>
               <a:rPr lang="de-DE" smtClean="0"/>
-              <a:t>v1.3 (2012-07)</a:t>
+              <a:t>v2.0</a:t>
             </a:r>
             <a:endParaRPr lang="en-US"/>
           </a:p>
@@ -2167,7 +2167,7 @@
           <a:p>
             <a:r>
               <a:rPr kumimoji="0" lang="de-CH" smtClean="0"/>
-              <a:t>Programmieren / Greenfoot</a:t>
+              <a:t>Programmieren / Kapitel 2 - Programmfluss</a:t>
             </a:r>
             <a:endParaRPr kumimoji="0" lang="en-US"/>
           </a:p>
@@ -2368,7 +2368,7 @@
           <a:p>
             <a:r>
               <a:rPr lang="de-DE" smtClean="0"/>
-              <a:t>v1.3 (2012-07)</a:t>
+              <a:t>v2.0</a:t>
             </a:r>
             <a:endParaRPr lang="en-US"/>
           </a:p>
@@ -2416,7 +2416,7 @@
           <a:p>
             <a:r>
               <a:rPr kumimoji="0" lang="de-CH" smtClean="0"/>
-              <a:t>Programmieren / Greenfoot</a:t>
+              <a:t>Programmieren / Kapitel 2 - Programmfluss</a:t>
             </a:r>
             <a:endParaRPr kumimoji="0" lang="en-US"/>
           </a:p>
@@ -2576,7 +2576,7 @@
           <a:p>
             <a:r>
               <a:rPr lang="de-DE" smtClean="0"/>
-              <a:t>v1.3 (2012-07)</a:t>
+              <a:t>v2.0</a:t>
             </a:r>
             <a:endParaRPr lang="en-US"/>
           </a:p>
@@ -2599,7 +2599,7 @@
           <a:p>
             <a:r>
               <a:rPr kumimoji="0" lang="de-CH" smtClean="0"/>
-              <a:t>Programmieren / Greenfoot</a:t>
+              <a:t>Programmieren / Kapitel 2 - Programmfluss</a:t>
             </a:r>
             <a:endParaRPr kumimoji="0" lang="en-US"/>
           </a:p>
@@ -2690,7 +2690,7 @@
           <a:p>
             <a:r>
               <a:rPr lang="de-DE" smtClean="0"/>
-              <a:t>v1.3 (2012-07)</a:t>
+              <a:t>v2.0</a:t>
             </a:r>
             <a:endParaRPr lang="en-US"/>
           </a:p>
@@ -2713,7 +2713,7 @@
           <a:p>
             <a:r>
               <a:rPr kumimoji="0" lang="de-CH" smtClean="0"/>
-              <a:t>Programmieren / Greenfoot</a:t>
+              <a:t>Programmieren / Kapitel 2 - Programmfluss</a:t>
             </a:r>
             <a:endParaRPr kumimoji="0" lang="en-US" dirty="0"/>
           </a:p>
@@ -2835,7 +2835,7 @@
           <a:p>
             <a:r>
               <a:rPr lang="de-DE" smtClean="0"/>
-              <a:t>v1.3 (2012-07)</a:t>
+              <a:t>v2.0</a:t>
             </a:r>
             <a:endParaRPr lang="en-US"/>
           </a:p>
@@ -2858,7 +2858,7 @@
           <a:p>
             <a:r>
               <a:rPr kumimoji="0" lang="de-CH" smtClean="0"/>
-              <a:t>Programmieren / Greenfoot</a:t>
+              <a:t>Programmieren / Kapitel 2 - Programmfluss</a:t>
             </a:r>
             <a:endParaRPr kumimoji="0" lang="en-US"/>
           </a:p>
@@ -3357,7 +3357,7 @@
           <a:p>
             <a:r>
               <a:rPr lang="de-DE" smtClean="0"/>
-              <a:t>v1.3 (2012-07)</a:t>
+              <a:t>v2.0</a:t>
             </a:r>
             <a:endParaRPr lang="en-US"/>
           </a:p>
@@ -3419,7 +3419,7 @@
           <a:p>
             <a:r>
               <a:rPr kumimoji="0" lang="de-CH" smtClean="0"/>
-              <a:t>Programmieren / Greenfoot</a:t>
+              <a:t>Programmieren / Kapitel 2 - Programmfluss</a:t>
             </a:r>
             <a:endParaRPr kumimoji="0" lang="en-US" dirty="0"/>
           </a:p>
@@ -3624,7 +3624,7 @@
           <a:p>
             <a:r>
               <a:rPr lang="de-DE" smtClean="0"/>
-              <a:t>v1.3 (2012-07)</a:t>
+              <a:t>v2.0</a:t>
             </a:r>
             <a:endParaRPr lang="en-US" dirty="0"/>
           </a:p>
@@ -3663,7 +3663,7 @@
           <a:p>
             <a:r>
               <a:rPr lang="de-CH" smtClean="0"/>
-              <a:t>Programmieren / Greenfoot</a:t>
+              <a:t>Programmieren / Kapitel 2 - Programmfluss</a:t>
             </a:r>
             <a:endParaRPr lang="en-US" dirty="0"/>
           </a:p>
@@ -4264,12 +4264,12 @@
           <a:lstStyle/>
           <a:p>
             <a:r>
-              <a:rPr lang="de-DE" dirty="0" err="1" smtClean="0"/>
-              <a:t>Greenfoot</a:t>
-            </a:r>
-            <a:r>
               <a:rPr lang="de-DE" dirty="0" smtClean="0"/>
-              <a:t> – Programmfluss steuern</a:t>
+              <a:t>Kapitel </a:t>
+            </a:r>
+            <a:r>
+              <a:rPr lang="de-DE" smtClean="0"/>
+              <a:t>2 – Programmfluss</a:t>
             </a:r>
             <a:endParaRPr lang="de-DE" dirty="0"/>
           </a:p>
@@ -4347,7 +4347,7 @@
           <a:p>
             <a:r>
               <a:rPr lang="de-DE" smtClean="0"/>
-              <a:t>v1.3 (2012-07)</a:t>
+              <a:t>v2.0</a:t>
             </a:r>
             <a:endParaRPr lang="en-US" dirty="0"/>
           </a:p>
@@ -4370,7 +4370,7 @@
           <a:p>
             <a:r>
               <a:rPr kumimoji="0" lang="de-CH" smtClean="0"/>
-              <a:t>Programmieren / Greenfoot</a:t>
+              <a:t>Programmieren / Kapitel 2 - Programmfluss</a:t>
             </a:r>
             <a:endParaRPr kumimoji="0" lang="en-US" dirty="0"/>
           </a:p>
@@ -6225,7 +6225,7 @@
           <a:p>
             <a:r>
               <a:rPr lang="de-DE" smtClean="0"/>
-              <a:t>v1.3 (2012-07)</a:t>
+              <a:t>v2.0</a:t>
             </a:r>
             <a:endParaRPr lang="en-US" dirty="0"/>
           </a:p>
@@ -6248,7 +6248,7 @@
           <a:p>
             <a:r>
               <a:rPr kumimoji="0" lang="de-CH" smtClean="0"/>
-              <a:t>Programmieren / Greenfoot</a:t>
+              <a:t>Programmieren / Kapitel 2 - Programmfluss</a:t>
             </a:r>
             <a:endParaRPr kumimoji="0" lang="en-US"/>
           </a:p>
@@ -6463,7 +6463,7 @@
           <a:p>
             <a:r>
               <a:rPr lang="de-DE" smtClean="0"/>
-              <a:t>v1.3 (2012-07)</a:t>
+              <a:t>v2.0</a:t>
             </a:r>
             <a:endParaRPr lang="en-US" dirty="0"/>
           </a:p>
@@ -6514,7 +6514,7 @@
           <a:p>
             <a:r>
               <a:rPr kumimoji="0" lang="de-CH" smtClean="0"/>
-              <a:t>Programmieren / Greenfoot</a:t>
+              <a:t>Programmieren / Kapitel 2 - Programmfluss</a:t>
             </a:r>
             <a:endParaRPr kumimoji="0" lang="en-US"/>
           </a:p>
@@ -6638,7 +6638,7 @@
           <a:p>
             <a:r>
               <a:rPr lang="de-DE" smtClean="0"/>
-              <a:t>v1.3 (2012-07)</a:t>
+              <a:t>v2.0</a:t>
             </a:r>
             <a:endParaRPr lang="en-US" dirty="0"/>
           </a:p>
@@ -6661,7 +6661,7 @@
           <a:p>
             <a:r>
               <a:rPr kumimoji="0" lang="de-CH" smtClean="0"/>
-              <a:t>Programmieren / Greenfoot</a:t>
+              <a:t>Programmieren / Kapitel 2 - Programmfluss</a:t>
             </a:r>
             <a:endParaRPr kumimoji="0" lang="en-US" dirty="0"/>
           </a:p>
@@ -7277,7 +7277,7 @@
           <a:p>
             <a:r>
               <a:rPr lang="de-DE" smtClean="0"/>
-              <a:t>v1.3 (2012-07)</a:t>
+              <a:t>v2.0</a:t>
             </a:r>
             <a:endParaRPr lang="en-US"/>
           </a:p>
@@ -7300,7 +7300,7 @@
           <a:p>
             <a:r>
               <a:rPr kumimoji="0" lang="de-CH" smtClean="0"/>
-              <a:t>Programmieren / Greenfoot</a:t>
+              <a:t>Programmieren / Kapitel 2 - Programmfluss</a:t>
             </a:r>
             <a:endParaRPr kumimoji="0" lang="en-US" dirty="0"/>
           </a:p>
@@ -7922,7 +7922,7 @@
           <a:p>
             <a:r>
               <a:rPr lang="de-DE" smtClean="0"/>
-              <a:t>v1.3 (2012-07)</a:t>
+              <a:t>v2.0</a:t>
             </a:r>
             <a:endParaRPr lang="en-US" dirty="0"/>
           </a:p>
@@ -7944,12 +7944,8 @@
           <a:lstStyle/>
           <a:p>
             <a:r>
-              <a:rPr kumimoji="0" lang="de-CH" dirty="0" smtClean="0"/>
-              <a:t>Programmieren / </a:t>
-            </a:r>
-            <a:r>
-              <a:rPr kumimoji="0" lang="de-CH" dirty="0" err="1" smtClean="0"/>
-              <a:t>Greenfoot</a:t>
+              <a:rPr kumimoji="0" lang="de-CH" smtClean="0"/>
+              <a:t>Programmieren / Kapitel 2 - Programmfluss</a:t>
             </a:r>
             <a:endParaRPr kumimoji="0" lang="en-US" dirty="0"/>
           </a:p>
@@ -8643,7 +8639,7 @@
           <a:p>
             <a:r>
               <a:rPr lang="de-DE" smtClean="0"/>
-              <a:t>v1.3 (2012-07)</a:t>
+              <a:t>v2.0</a:t>
             </a:r>
             <a:endParaRPr lang="en-US" dirty="0"/>
           </a:p>
@@ -8666,7 +8662,7 @@
           <a:p>
             <a:r>
               <a:rPr kumimoji="0" lang="de-CH" smtClean="0"/>
-              <a:t>Programmieren / Greenfoot</a:t>
+              <a:t>Programmieren / Kapitel 2 - Programmfluss</a:t>
             </a:r>
             <a:endParaRPr kumimoji="0" lang="en-US"/>
           </a:p>
@@ -9514,7 +9510,7 @@
           <a:p>
             <a:r>
               <a:rPr lang="de-DE" smtClean="0"/>
-              <a:t>v1.3 (2012-07)</a:t>
+              <a:t>v2.0</a:t>
             </a:r>
             <a:endParaRPr lang="en-US" dirty="0"/>
           </a:p>
@@ -9537,7 +9533,7 @@
           <a:p>
             <a:r>
               <a:rPr kumimoji="0" lang="de-CH" smtClean="0"/>
-              <a:t>Programmieren / Greenfoot</a:t>
+              <a:t>Programmieren / Kapitel 2 - Programmfluss</a:t>
             </a:r>
             <a:endParaRPr kumimoji="0" lang="en-US"/>
           </a:p>
@@ -11696,7 +11692,7 @@
           <a:p>
             <a:r>
               <a:rPr lang="de-DE" smtClean="0"/>
-              <a:t>v1.3 (2012-07)</a:t>
+              <a:t>v2.0</a:t>
             </a:r>
             <a:endParaRPr lang="en-US" dirty="0"/>
           </a:p>
@@ -11719,7 +11715,7 @@
           <a:p>
             <a:r>
               <a:rPr kumimoji="0" lang="de-CH" smtClean="0"/>
-              <a:t>Programmieren / Greenfoot</a:t>
+              <a:t>Programmieren / Kapitel 2 - Programmfluss</a:t>
             </a:r>
             <a:endParaRPr kumimoji="0" lang="en-US"/>
           </a:p>
